--- a/web/spring/프레젠테이션1.pptx
+++ b/web/spring/프레젠테이션1.pptx
@@ -9204,10 +9204,10 @@
       </p:sp>
       <p:pic>
         <p:nvPicPr>
-          <p:cNvPr id="13" name="그림 12">
+          <p:cNvPr id="3" name="그림 2">
             <a:extLst>
               <a:ext uri="{FF2B5EF4-FFF2-40B4-BE49-F238E27FC236}">
-                <a16:creationId xmlns:a16="http://schemas.microsoft.com/office/drawing/2014/main" id="{CA5A2D64-7B64-33E6-8DB6-7E2D223F9601}"/>
+                <a16:creationId xmlns:a16="http://schemas.microsoft.com/office/drawing/2014/main" id="{C1127228-31ED-215E-D350-3D07A40EAC8F}"/>
               </a:ext>
             </a:extLst>
           </p:cNvPr>
@@ -9224,8 +9224,8 @@
         </p:blipFill>
         <p:spPr>
           <a:xfrm>
-            <a:off x="701376" y="1263779"/>
-            <a:ext cx="4116872" cy="4725130"/>
+            <a:off x="362466" y="1250229"/>
+            <a:ext cx="4411988" cy="4619799"/>
           </a:xfrm>
           <a:prstGeom prst="rect">
             <a:avLst/>
